--- a/Slides/Ninject/2 - Inversion of Control.pptx
+++ b/Slides/Ninject/2 - Inversion of Control.pptx
@@ -6,21 +6,20 @@
   </p:sldMasterIdLst>
   <p:sldIdLst>
     <p:sldId id="256" r:id="rId2"/>
-    <p:sldId id="272" r:id="rId3"/>
-    <p:sldId id="257" r:id="rId4"/>
-    <p:sldId id="258" r:id="rId5"/>
-    <p:sldId id="259" r:id="rId6"/>
-    <p:sldId id="268" r:id="rId7"/>
-    <p:sldId id="261" r:id="rId8"/>
-    <p:sldId id="273" r:id="rId9"/>
-    <p:sldId id="262" r:id="rId10"/>
-    <p:sldId id="274" r:id="rId11"/>
-    <p:sldId id="263" r:id="rId12"/>
-    <p:sldId id="265" r:id="rId13"/>
-    <p:sldId id="269" r:id="rId14"/>
-    <p:sldId id="270" r:id="rId15"/>
-    <p:sldId id="266" r:id="rId16"/>
-    <p:sldId id="271" r:id="rId17"/>
+    <p:sldId id="257" r:id="rId3"/>
+    <p:sldId id="258" r:id="rId4"/>
+    <p:sldId id="259" r:id="rId5"/>
+    <p:sldId id="268" r:id="rId6"/>
+    <p:sldId id="261" r:id="rId7"/>
+    <p:sldId id="273" r:id="rId8"/>
+    <p:sldId id="262" r:id="rId9"/>
+    <p:sldId id="274" r:id="rId10"/>
+    <p:sldId id="263" r:id="rId11"/>
+    <p:sldId id="265" r:id="rId12"/>
+    <p:sldId id="269" r:id="rId13"/>
+    <p:sldId id="270" r:id="rId14"/>
+    <p:sldId id="266" r:id="rId15"/>
+    <p:sldId id="271" r:id="rId16"/>
   </p:sldIdLst>
   <p:sldSz cx="9144000" cy="6858000" type="screen4x3"/>
   <p:notesSz cx="6858000" cy="9144000"/>
@@ -258,7 +257,7 @@
           <a:p>
             <a:fld id="{A254CC92-A4AB-4748-8201-8CC8FC025F54}" type="datetimeFigureOut">
               <a:rPr lang="en-US" smtClean="0"/>
-              <a:t>2/1/2015</a:t>
+              <a:t>2/2/2015</a:t>
             </a:fld>
             <a:endParaRPr lang="en-US"/>
           </a:p>
@@ -428,7 +427,7 @@
           <a:p>
             <a:fld id="{A254CC92-A4AB-4748-8201-8CC8FC025F54}" type="datetimeFigureOut">
               <a:rPr lang="en-US" smtClean="0"/>
-              <a:t>2/1/2015</a:t>
+              <a:t>2/2/2015</a:t>
             </a:fld>
             <a:endParaRPr lang="en-US"/>
           </a:p>
@@ -608,7 +607,7 @@
           <a:p>
             <a:fld id="{A254CC92-A4AB-4748-8201-8CC8FC025F54}" type="datetimeFigureOut">
               <a:rPr lang="en-US" smtClean="0"/>
-              <a:t>2/1/2015</a:t>
+              <a:t>2/2/2015</a:t>
             </a:fld>
             <a:endParaRPr lang="en-US"/>
           </a:p>
@@ -778,7 +777,7 @@
           <a:p>
             <a:fld id="{A254CC92-A4AB-4748-8201-8CC8FC025F54}" type="datetimeFigureOut">
               <a:rPr lang="en-US" smtClean="0"/>
-              <a:t>2/1/2015</a:t>
+              <a:t>2/2/2015</a:t>
             </a:fld>
             <a:endParaRPr lang="en-US"/>
           </a:p>
@@ -1022,7 +1021,7 @@
           <a:p>
             <a:fld id="{A254CC92-A4AB-4748-8201-8CC8FC025F54}" type="datetimeFigureOut">
               <a:rPr lang="en-US" smtClean="0"/>
-              <a:t>2/1/2015</a:t>
+              <a:t>2/2/2015</a:t>
             </a:fld>
             <a:endParaRPr lang="en-US"/>
           </a:p>
@@ -1254,7 +1253,7 @@
           <a:p>
             <a:fld id="{A254CC92-A4AB-4748-8201-8CC8FC025F54}" type="datetimeFigureOut">
               <a:rPr lang="en-US" smtClean="0"/>
-              <a:t>2/1/2015</a:t>
+              <a:t>2/2/2015</a:t>
             </a:fld>
             <a:endParaRPr lang="en-US"/>
           </a:p>
@@ -1621,7 +1620,7 @@
           <a:p>
             <a:fld id="{A254CC92-A4AB-4748-8201-8CC8FC025F54}" type="datetimeFigureOut">
               <a:rPr lang="en-US" smtClean="0"/>
-              <a:t>2/1/2015</a:t>
+              <a:t>2/2/2015</a:t>
             </a:fld>
             <a:endParaRPr lang="en-US"/>
           </a:p>
@@ -1739,7 +1738,7 @@
           <a:p>
             <a:fld id="{A254CC92-A4AB-4748-8201-8CC8FC025F54}" type="datetimeFigureOut">
               <a:rPr lang="en-US" smtClean="0"/>
-              <a:t>2/1/2015</a:t>
+              <a:t>2/2/2015</a:t>
             </a:fld>
             <a:endParaRPr lang="en-US"/>
           </a:p>
@@ -1834,7 +1833,7 @@
           <a:p>
             <a:fld id="{A254CC92-A4AB-4748-8201-8CC8FC025F54}" type="datetimeFigureOut">
               <a:rPr lang="en-US" smtClean="0"/>
-              <a:t>2/1/2015</a:t>
+              <a:t>2/2/2015</a:t>
             </a:fld>
             <a:endParaRPr lang="en-US"/>
           </a:p>
@@ -2111,7 +2110,7 @@
           <a:p>
             <a:fld id="{A254CC92-A4AB-4748-8201-8CC8FC025F54}" type="datetimeFigureOut">
               <a:rPr lang="en-US" smtClean="0"/>
-              <a:t>2/1/2015</a:t>
+              <a:t>2/2/2015</a:t>
             </a:fld>
             <a:endParaRPr lang="en-US"/>
           </a:p>
@@ -2368,7 +2367,7 @@
           <a:p>
             <a:fld id="{A254CC92-A4AB-4748-8201-8CC8FC025F54}" type="datetimeFigureOut">
               <a:rPr lang="en-US" smtClean="0"/>
-              <a:t>2/1/2015</a:t>
+              <a:t>2/2/2015</a:t>
             </a:fld>
             <a:endParaRPr lang="en-US"/>
           </a:p>
@@ -2581,7 +2580,7 @@
           <a:p>
             <a:fld id="{A254CC92-A4AB-4748-8201-8CC8FC025F54}" type="datetimeFigureOut">
               <a:rPr lang="en-US" smtClean="0"/>
-              <a:t>2/1/2015</a:t>
+              <a:t>2/2/2015</a:t>
             </a:fld>
             <a:endParaRPr lang="en-US"/>
           </a:p>
@@ -3036,7 +3035,6 @@
               <a:rPr lang="en-US" dirty="0"/>
               <a:t>2 – Inversion of Control</a:t>
             </a:r>
-            <a:endParaRPr lang="en-US" dirty="0"/>
           </a:p>
         </p:txBody>
       </p:sp>
@@ -3111,64 +3109,110 @@
           <a:p>
             <a:r>
               <a:rPr lang="en-US" dirty="0" smtClean="0"/>
-              <a:t>Command Line vs GUI</a:t>
+              <a:t>Creation inversion</a:t>
             </a:r>
             <a:endParaRPr lang="en-US" dirty="0"/>
           </a:p>
         </p:txBody>
       </p:sp>
-      <p:pic>
-        <p:nvPicPr>
-          <p:cNvPr id="4" name="Picture 3"/>
-          <p:cNvPicPr>
-            <a:picLocks noChangeAspect="1"/>
-          </p:cNvPicPr>
-          <p:nvPr/>
-        </p:nvPicPr>
-        <p:blipFill>
-          <a:blip r:embed="rId2"/>
-          <a:stretch>
-            <a:fillRect/>
-          </a:stretch>
-        </p:blipFill>
-        <p:spPr>
-          <a:xfrm>
-            <a:off x="790576" y="1521620"/>
-            <a:ext cx="4269694" cy="2100262"/>
-          </a:xfrm>
-          <a:prstGeom prst="rect">
-            <a:avLst/>
-          </a:prstGeom>
-        </p:spPr>
-      </p:pic>
-      <p:pic>
-        <p:nvPicPr>
-          <p:cNvPr id="5" name="Picture 4"/>
-          <p:cNvPicPr>
-            <a:picLocks noChangeAspect="1"/>
-          </p:cNvPicPr>
-          <p:nvPr/>
-        </p:nvPicPr>
-        <p:blipFill>
-          <a:blip r:embed="rId3"/>
-          <a:stretch>
-            <a:fillRect/>
-          </a:stretch>
-        </p:blipFill>
-        <p:spPr>
-          <a:xfrm>
-            <a:off x="5534025" y="3433762"/>
-            <a:ext cx="2981325" cy="3076575"/>
-          </a:xfrm>
-          <a:prstGeom prst="rect">
-            <a:avLst/>
-          </a:prstGeom>
-        </p:spPr>
-      </p:pic>
+      <p:sp>
+        <p:nvSpPr>
+          <p:cNvPr id="3" name="Content Placeholder 2"/>
+          <p:cNvSpPr>
+            <a:spLocks noGrp="1"/>
+          </p:cNvSpPr>
+          <p:nvPr>
+            <p:ph idx="1"/>
+          </p:nvPr>
+        </p:nvSpPr>
+        <p:spPr/>
+        <p:txBody>
+          <a:bodyPr>
+            <a:normAutofit fontScale="92500" lnSpcReduction="20000"/>
+          </a:bodyPr>
+          <a:lstStyle/>
+          <a:p>
+            <a:r>
+              <a:rPr lang="en-US" dirty="0" smtClean="0"/>
+              <a:t>This is the core of most .NET </a:t>
+            </a:r>
+            <a:r>
+              <a:rPr lang="en-US" dirty="0" err="1" smtClean="0"/>
+              <a:t>IoC</a:t>
+            </a:r>
+            <a:r>
+              <a:rPr lang="en-US" dirty="0" smtClean="0"/>
+              <a:t> containers</a:t>
+            </a:r>
+          </a:p>
+          <a:p>
+            <a:endParaRPr lang="en-US" dirty="0" smtClean="0"/>
+          </a:p>
+          <a:p>
+            <a:r>
+              <a:rPr lang="en-US" dirty="0" smtClean="0"/>
+              <a:t>Get rid of “new” – new is evil</a:t>
+            </a:r>
+          </a:p>
+          <a:p>
+            <a:pPr lvl="1"/>
+            <a:r>
+              <a:rPr lang="en-US" dirty="0" smtClean="0"/>
+              <a:t>New needs to know implementation</a:t>
+            </a:r>
+          </a:p>
+          <a:p>
+            <a:pPr lvl="1"/>
+            <a:r>
+              <a:rPr lang="en-US" dirty="0" smtClean="0"/>
+              <a:t>You are now dependent</a:t>
+            </a:r>
+          </a:p>
+          <a:p>
+            <a:pPr lvl="1"/>
+            <a:endParaRPr lang="en-US" dirty="0" smtClean="0"/>
+          </a:p>
+          <a:p>
+            <a:r>
+              <a:rPr lang="en-US" dirty="0" smtClean="0"/>
+              <a:t>Creation of objects is inverted</a:t>
+            </a:r>
+          </a:p>
+          <a:p>
+            <a:pPr lvl="1"/>
+            <a:r>
+              <a:rPr lang="en-US" dirty="0" smtClean="0"/>
+              <a:t>It is created outside the using class</a:t>
+            </a:r>
+          </a:p>
+          <a:p>
+            <a:pPr lvl="1"/>
+            <a:endParaRPr lang="en-US" dirty="0"/>
+          </a:p>
+          <a:p>
+            <a:r>
+              <a:rPr lang="en-US" dirty="0" err="1" smtClean="0"/>
+              <a:t>IoC</a:t>
+            </a:r>
+            <a:r>
+              <a:rPr lang="en-US" dirty="0" smtClean="0"/>
+              <a:t> container is an implementation of the Factory pattern</a:t>
+            </a:r>
+          </a:p>
+          <a:p>
+            <a:pPr lvl="1"/>
+            <a:r>
+              <a:rPr lang="en-US" dirty="0" smtClean="0"/>
+              <a:t>Except even the factory can be substituted</a:t>
+            </a:r>
+            <a:endParaRPr lang="en-US" dirty="0"/>
+          </a:p>
+        </p:txBody>
+      </p:sp>
     </p:spTree>
     <p:extLst>
       <p:ext uri="{BB962C8B-B14F-4D97-AF65-F5344CB8AC3E}">
-        <p14:creationId xmlns:p14="http://schemas.microsoft.com/office/powerpoint/2010/main" val="2642824600"/>
+        <p14:creationId xmlns:p14="http://schemas.microsoft.com/office/powerpoint/2010/main" val="1726721042"/>
       </p:ext>
     </p:extLst>
   </p:cSld>
@@ -3211,103 +3255,127 @@
           <a:lstStyle/>
           <a:p>
             <a:r>
-              <a:rPr lang="en-US" dirty="0" smtClean="0"/>
-              <a:t>Creation inversion</a:t>
-            </a:r>
-            <a:endParaRPr lang="en-US" dirty="0"/>
-          </a:p>
-        </p:txBody>
-      </p:sp>
-      <p:sp>
-        <p:nvSpPr>
-          <p:cNvPr id="3" name="Content Placeholder 2"/>
-          <p:cNvSpPr>
-            <a:spLocks noGrp="1"/>
-          </p:cNvSpPr>
-          <p:nvPr>
-            <p:ph idx="1"/>
-          </p:nvPr>
-        </p:nvSpPr>
-        <p:spPr/>
-        <p:txBody>
-          <a:bodyPr>
-            <a:normAutofit fontScale="92500" lnSpcReduction="20000"/>
-          </a:bodyPr>
-          <a:lstStyle/>
-          <a:p>
-            <a:r>
-              <a:rPr lang="en-US" dirty="0" smtClean="0"/>
-              <a:t>This is the core of most .NET </a:t>
-            </a:r>
-            <a:r>
               <a:rPr lang="en-US" dirty="0" err="1" smtClean="0"/>
               <a:t>IoC</a:t>
             </a:r>
             <a:r>
               <a:rPr lang="en-US" dirty="0" smtClean="0"/>
-              <a:t> containers</a:t>
-            </a:r>
-          </a:p>
-          <a:p>
+              <a:t> implementations (1)</a:t>
+            </a:r>
+            <a:endParaRPr lang="en-US" dirty="0"/>
+          </a:p>
+        </p:txBody>
+      </p:sp>
+      <p:sp>
+        <p:nvSpPr>
+          <p:cNvPr id="3" name="Content Placeholder 2"/>
+          <p:cNvSpPr>
+            <a:spLocks noGrp="1"/>
+          </p:cNvSpPr>
+          <p:nvPr>
+            <p:ph idx="1"/>
+          </p:nvPr>
+        </p:nvSpPr>
+        <p:spPr/>
+        <p:txBody>
+          <a:bodyPr>
+            <a:normAutofit/>
+          </a:bodyPr>
+          <a:lstStyle/>
+          <a:p>
+            <a:r>
+              <a:rPr lang="en-US" dirty="0" smtClean="0"/>
+              <a:t>Factory pattern</a:t>
+            </a:r>
+          </a:p>
+          <a:p>
+            <a:pPr lvl="1"/>
+            <a:r>
+              <a:rPr lang="en-US" dirty="0"/>
+              <a:t>In </a:t>
+            </a:r>
+            <a:r>
+              <a:rPr lang="en-US" dirty="0">
+                <a:hlinkClick r:id="rId2" tooltip="Class-based programming"/>
+              </a:rPr>
+              <a:t>class-based programming</a:t>
+            </a:r>
+            <a:r>
+              <a:rPr lang="en-US" dirty="0"/>
+              <a:t>, the </a:t>
+            </a:r>
+            <a:r>
+              <a:rPr lang="en-US" b="1" dirty="0"/>
+              <a:t>factory method pattern</a:t>
+            </a:r>
+            <a:r>
+              <a:rPr lang="en-US" dirty="0"/>
+              <a:t> is a </a:t>
+            </a:r>
+            <a:r>
+              <a:rPr lang="en-US" dirty="0">
+                <a:hlinkClick r:id="rId3" tooltip="Creational pattern"/>
+              </a:rPr>
+              <a:t>creational pattern</a:t>
+            </a:r>
+            <a:r>
+              <a:rPr lang="en-US" dirty="0"/>
+              <a:t> which uses factory methods to deal with the problem of </a:t>
+            </a:r>
+            <a:r>
+              <a:rPr lang="en-US" dirty="0">
+                <a:hlinkClick r:id="rId4" tooltip="Object creation"/>
+              </a:rPr>
+              <a:t>creating objects</a:t>
+            </a:r>
+            <a:r>
+              <a:rPr lang="en-US" dirty="0"/>
+              <a:t> without specifying the </a:t>
+            </a:r>
+            <a:r>
+              <a:rPr lang="en-US" dirty="0" err="1"/>
+              <a:t>exact</a:t>
+            </a:r>
+            <a:r>
+              <a:rPr lang="en-US" dirty="0" err="1">
+                <a:hlinkClick r:id="rId5" tooltip="Class (computer science)"/>
+              </a:rPr>
+              <a:t>class</a:t>
+            </a:r>
+            <a:r>
+              <a:rPr lang="en-US" dirty="0"/>
+              <a:t> of object that will be created. This is done by creating objects via calling a factory method—either specified in an interface and implemented by child classes, or implemented in a base class and optionally overridden by derived classes—rather than by calling a </a:t>
+            </a:r>
+            <a:r>
+              <a:rPr lang="en-US" dirty="0">
+                <a:hlinkClick r:id="rId6" tooltip="Constructor (object-oriented programming)"/>
+              </a:rPr>
+              <a:t>constructor</a:t>
+            </a:r>
+            <a:r>
+              <a:rPr lang="en-US" dirty="0"/>
+              <a:t>.</a:t>
+            </a:r>
             <a:endParaRPr lang="en-US" dirty="0" smtClean="0"/>
           </a:p>
           <a:p>
-            <a:r>
-              <a:rPr lang="en-US" dirty="0" smtClean="0"/>
-              <a:t>Get rid of “new” – new is evil</a:t>
-            </a:r>
-          </a:p>
-          <a:p>
             <a:pPr lvl="1"/>
             <a:r>
-              <a:rPr lang="en-US" dirty="0" smtClean="0"/>
-              <a:t>New needs to know implementation</a:t>
-            </a:r>
+              <a:rPr lang="en-US" dirty="0">
+                <a:hlinkClick r:id="rId7"/>
+              </a:rPr>
+              <a:t>http://en.wikipedia.org/wiki/Factory_%</a:t>
+            </a:r>
+            <a:r>
+              <a:rPr lang="en-US" dirty="0" smtClean="0">
+                <a:hlinkClick r:id="rId7"/>
+              </a:rPr>
+              <a:t>28object-oriented_programming%29</a:t>
+            </a:r>
+            <a:endParaRPr lang="en-US" dirty="0" smtClean="0"/>
           </a:p>
           <a:p>
             <a:pPr lvl="1"/>
-            <a:r>
-              <a:rPr lang="en-US" dirty="0" smtClean="0"/>
-              <a:t>You are now dependent</a:t>
-            </a:r>
-          </a:p>
-          <a:p>
-            <a:pPr lvl="1"/>
-            <a:endParaRPr lang="en-US" dirty="0" smtClean="0"/>
-          </a:p>
-          <a:p>
-            <a:r>
-              <a:rPr lang="en-US" dirty="0" smtClean="0"/>
-              <a:t>Creation of objects is inverted</a:t>
-            </a:r>
-          </a:p>
-          <a:p>
-            <a:pPr lvl="1"/>
-            <a:r>
-              <a:rPr lang="en-US" dirty="0" smtClean="0"/>
-              <a:t>It is created outside the using class</a:t>
-            </a:r>
-          </a:p>
-          <a:p>
-            <a:pPr lvl="1"/>
-            <a:endParaRPr lang="en-US" dirty="0"/>
-          </a:p>
-          <a:p>
-            <a:r>
-              <a:rPr lang="en-US" dirty="0" err="1" smtClean="0"/>
-              <a:t>IoC</a:t>
-            </a:r>
-            <a:r>
-              <a:rPr lang="en-US" dirty="0" smtClean="0"/>
-              <a:t> container is an implementation of the Factory pattern</a:t>
-            </a:r>
-          </a:p>
-          <a:p>
-            <a:pPr lvl="1"/>
-            <a:r>
-              <a:rPr lang="en-US" dirty="0" smtClean="0"/>
-              <a:t>Except even the factory can be substituted</a:t>
-            </a:r>
             <a:endParaRPr lang="en-US" dirty="0"/>
           </a:p>
         </p:txBody>
@@ -3315,7 +3383,7 @@
     </p:spTree>
     <p:extLst>
       <p:ext uri="{BB962C8B-B14F-4D97-AF65-F5344CB8AC3E}">
-        <p14:creationId xmlns:p14="http://schemas.microsoft.com/office/powerpoint/2010/main" val="1726721042"/>
+        <p14:creationId xmlns:p14="http://schemas.microsoft.com/office/powerpoint/2010/main" val="379373476"/>
       </p:ext>
     </p:extLst>
   </p:cSld>
@@ -3358,12 +3426,16 @@
           <a:lstStyle/>
           <a:p>
             <a:r>
-              <a:rPr lang="en-US" dirty="0" err="1" smtClean="0"/>
+              <a:rPr lang="en-US" dirty="0" err="1"/>
               <a:t>IoC</a:t>
             </a:r>
             <a:r>
-              <a:rPr lang="en-US" dirty="0" smtClean="0"/>
-              <a:t> implementations (1)</a:t>
+              <a:rPr lang="en-US" dirty="0"/>
+              <a:t> implementations </a:t>
+            </a:r>
+            <a:r>
+              <a:rPr lang="en-US" dirty="0" smtClean="0"/>
+              <a:t>(2)</a:t>
             </a:r>
             <a:endParaRPr lang="en-US" dirty="0"/>
           </a:p>
@@ -3381,35 +3453,27 @@
         </p:nvSpPr>
         <p:spPr/>
         <p:txBody>
-          <a:bodyPr>
-            <a:normAutofit/>
-          </a:bodyPr>
-          <a:lstStyle/>
-          <a:p>
-            <a:r>
-              <a:rPr lang="en-US" dirty="0" smtClean="0"/>
-              <a:t>Factory pattern</a:t>
+          <a:bodyPr/>
+          <a:lstStyle/>
+          <a:p>
+            <a:r>
+              <a:rPr lang="en-US" dirty="0" smtClean="0"/>
+              <a:t>Service Locator</a:t>
             </a:r>
           </a:p>
           <a:p>
             <a:pPr lvl="1"/>
             <a:r>
+              <a:rPr lang="en-US" dirty="0" smtClean="0"/>
+              <a:t>The</a:t>
+            </a:r>
+            <a:r>
               <a:rPr lang="en-US" dirty="0"/>
-              <a:t>In </a:t>
-            </a:r>
-            <a:r>
-              <a:rPr lang="en-US" dirty="0">
-                <a:hlinkClick r:id="rId2" tooltip="Class-based programming"/>
-              </a:rPr>
-              <a:t>class-based programming</a:t>
-            </a:r>
-            <a:r>
-              <a:rPr lang="en-US" dirty="0"/>
-              <a:t>, the </a:t>
+              <a:t> </a:t>
             </a:r>
             <a:r>
               <a:rPr lang="en-US" b="1" dirty="0"/>
-              <a:t>factory method pattern</a:t>
+              <a:t>service locator pattern</a:t>
             </a:r>
             <a:r>
               <a:rPr lang="en-US" dirty="0"/>
@@ -3417,63 +3481,51 @@
             </a:r>
             <a:r>
               <a:rPr lang="en-US" dirty="0">
-                <a:hlinkClick r:id="rId3" tooltip="Creational pattern"/>
+                <a:hlinkClick r:id="rId2" tooltip="Design pattern (computer science)"/>
               </a:rPr>
-              <a:t>creational pattern</a:t>
+              <a:t>design pattern</a:t>
             </a:r>
             <a:r>
               <a:rPr lang="en-US" dirty="0"/>
-              <a:t> which uses factory methods to deal with the problem of </a:t>
+              <a:t> used in software development to encapsulate the processes involved in obtaining a service with a strong </a:t>
             </a:r>
             <a:r>
               <a:rPr lang="en-US" dirty="0">
-                <a:hlinkClick r:id="rId4" tooltip="Object creation"/>
+                <a:hlinkClick r:id="rId3" tooltip="Abstraction layer"/>
               </a:rPr>
-              <a:t>creating objects</a:t>
+              <a:t>abstraction layer</a:t>
             </a:r>
             <a:r>
               <a:rPr lang="en-US" dirty="0"/>
-              <a:t> without specifying the </a:t>
-            </a:r>
-            <a:r>
-              <a:rPr lang="en-US" dirty="0" err="1"/>
-              <a:t>exact</a:t>
-            </a:r>
-            <a:r>
-              <a:rPr lang="en-US" dirty="0" err="1">
-                <a:hlinkClick r:id="rId5" tooltip="Class (computer science)"/>
+              <a:t>. This pattern uses a central registry known as the "service locator", which on request returns the information necessary to perform a certain task.</a:t>
+            </a:r>
+            <a:r>
+              <a:rPr lang="en-US" baseline="30000" dirty="0">
+                <a:hlinkClick r:id="rId4"/>
               </a:rPr>
-              <a:t>class</a:t>
-            </a:r>
-            <a:r>
-              <a:rPr lang="en-US" dirty="0"/>
-              <a:t> of object that will be created. This is done by creating objects via calling a factory method—either specified in an interface and implemented by child classes, or implemented in a base class and optionally overridden by derived classes—rather than by calling a </a:t>
-            </a:r>
+              <a:t>[1</a:t>
+            </a:r>
+            <a:r>
+              <a:rPr lang="en-US" baseline="30000" dirty="0" smtClean="0">
+                <a:hlinkClick r:id="rId4"/>
+              </a:rPr>
+              <a:t>]</a:t>
+            </a:r>
+            <a:endParaRPr lang="en-US" baseline="30000" dirty="0" smtClean="0"/>
+          </a:p>
+          <a:p>
+            <a:pPr lvl="1"/>
             <a:r>
               <a:rPr lang="en-US" dirty="0">
-                <a:hlinkClick r:id="rId6" tooltip="Constructor (object-oriented programming)"/>
+                <a:hlinkClick r:id="rId5"/>
               </a:rPr>
-              <a:t>constructor</a:t>
-            </a:r>
-            <a:r>
-              <a:rPr lang="en-US" dirty="0"/>
-              <a:t>.</a:t>
-            </a:r>
-            <a:endParaRPr lang="en-US" dirty="0" smtClean="0"/>
-          </a:p>
-          <a:p>
-            <a:pPr lvl="1"/>
-            <a:r>
-              <a:rPr lang="en-US" dirty="0">
-                <a:hlinkClick r:id="rId7"/>
+              <a:t>http://</a:t>
+            </a:r>
+            <a:r>
+              <a:rPr lang="en-US" dirty="0" smtClean="0">
+                <a:hlinkClick r:id="rId5"/>
               </a:rPr>
-              <a:t>http://en.wikipedia.org/wiki/Factory_%</a:t>
-            </a:r>
-            <a:r>
-              <a:rPr lang="en-US" dirty="0" smtClean="0">
-                <a:hlinkClick r:id="rId7"/>
-              </a:rPr>
-              <a:t>28object-oriented_programming%29</a:t>
+              <a:t>en.wikipedia.org/wiki/Service_locator_pattern</a:t>
             </a:r>
             <a:endParaRPr lang="en-US" dirty="0" smtClean="0"/>
           </a:p>
@@ -3486,7 +3538,7 @@
     </p:spTree>
     <p:extLst>
       <p:ext uri="{BB962C8B-B14F-4D97-AF65-F5344CB8AC3E}">
-        <p14:creationId xmlns:p14="http://schemas.microsoft.com/office/powerpoint/2010/main" val="379373476"/>
+        <p14:creationId xmlns:p14="http://schemas.microsoft.com/office/powerpoint/2010/main" val="2683994159"/>
       </p:ext>
     </p:extLst>
   </p:cSld>
@@ -3529,54 +3581,58 @@
           <a:lstStyle/>
           <a:p>
             <a:r>
-              <a:rPr lang="en-US" dirty="0" err="1"/>
+              <a:rPr lang="en-US" dirty="0" err="1" smtClean="0"/>
               <a:t>IoC</a:t>
             </a:r>
             <a:r>
+              <a:rPr lang="en-US" dirty="0" smtClean="0"/>
+              <a:t> Implementations (3)</a:t>
+            </a:r>
+            <a:endParaRPr lang="en-US" dirty="0"/>
+          </a:p>
+        </p:txBody>
+      </p:sp>
+      <p:sp>
+        <p:nvSpPr>
+          <p:cNvPr id="3" name="Content Placeholder 2"/>
+          <p:cNvSpPr>
+            <a:spLocks noGrp="1"/>
+          </p:cNvSpPr>
+          <p:nvPr>
+            <p:ph idx="1"/>
+          </p:nvPr>
+        </p:nvSpPr>
+        <p:spPr/>
+        <p:txBody>
+          <a:bodyPr>
+            <a:normAutofit fontScale="70000" lnSpcReduction="20000"/>
+          </a:bodyPr>
+          <a:lstStyle/>
+          <a:p>
+            <a:r>
+              <a:rPr lang="en-US" dirty="0" smtClean="0"/>
+              <a:t>Dependency Injection</a:t>
+            </a:r>
+          </a:p>
+          <a:p>
+            <a:pPr lvl="1"/>
+            <a:r>
               <a:rPr lang="en-US" dirty="0"/>
-              <a:t> implementations </a:t>
-            </a:r>
-            <a:r>
-              <a:rPr lang="en-US" dirty="0" smtClean="0"/>
-              <a:t>(2)</a:t>
-            </a:r>
-            <a:endParaRPr lang="en-US" dirty="0"/>
-          </a:p>
-        </p:txBody>
-      </p:sp>
-      <p:sp>
-        <p:nvSpPr>
-          <p:cNvPr id="3" name="Content Placeholder 2"/>
-          <p:cNvSpPr>
-            <a:spLocks noGrp="1"/>
-          </p:cNvSpPr>
-          <p:nvPr>
-            <p:ph idx="1"/>
-          </p:nvPr>
-        </p:nvSpPr>
-        <p:spPr/>
-        <p:txBody>
-          <a:bodyPr/>
-          <a:lstStyle/>
-          <a:p>
-            <a:r>
-              <a:rPr lang="en-US" dirty="0" smtClean="0"/>
-              <a:t>Service Locator</a:t>
-            </a:r>
-          </a:p>
-          <a:p>
-            <a:pPr lvl="1"/>
-            <a:r>
-              <a:rPr lang="en-US" dirty="0" smtClean="0"/>
-              <a:t>The</a:t>
+              <a:t>In </a:t>
+            </a:r>
+            <a:r>
+              <a:rPr lang="en-US" dirty="0">
+                <a:hlinkClick r:id="rId2" tooltip="Software engineering"/>
+              </a:rPr>
+              <a:t>software engineering</a:t>
             </a:r>
             <a:r>
               <a:rPr lang="en-US" dirty="0"/>
-              <a:t> </a:t>
+              <a:t>, </a:t>
             </a:r>
             <a:r>
               <a:rPr lang="en-US" b="1" dirty="0"/>
-              <a:t>service locator pattern</a:t>
+              <a:t>dependency injection</a:t>
             </a:r>
             <a:r>
               <a:rPr lang="en-US" dirty="0"/>
@@ -3584,51 +3640,180 @@
             </a:r>
             <a:r>
               <a:rPr lang="en-US" dirty="0">
-                <a:hlinkClick r:id="rId2" tooltip="Design pattern (computer science)"/>
+                <a:hlinkClick r:id="rId3" tooltip="Software design pattern"/>
               </a:rPr>
-              <a:t>design pattern</a:t>
+              <a:t>software design pattern</a:t>
             </a:r>
             <a:r>
               <a:rPr lang="en-US" dirty="0"/>
-              <a:t> used in software development to encapsulate the processes involved in obtaining a service with a strong </a:t>
+              <a:t> that implements </a:t>
             </a:r>
             <a:r>
               <a:rPr lang="en-US" dirty="0">
-                <a:hlinkClick r:id="rId3" tooltip="Abstraction layer"/>
+                <a:hlinkClick r:id="rId4" tooltip="Inversion of control"/>
               </a:rPr>
-              <a:t>abstraction layer</a:t>
+              <a:t>inversion of control</a:t>
             </a:r>
             <a:r>
               <a:rPr lang="en-US" dirty="0"/>
-              <a:t>. This pattern uses a central registry known as the "service locator", which on request returns the information necessary to perform a certain task.</a:t>
-            </a:r>
-            <a:r>
-              <a:rPr lang="en-US" baseline="30000" dirty="0">
-                <a:hlinkClick r:id="rId4"/>
+              <a:t> for </a:t>
+            </a:r>
+            <a:r>
+              <a:rPr lang="en-US" dirty="0">
+                <a:hlinkClick r:id="rId5" tooltip="Software libraries"/>
               </a:rPr>
-              <a:t>[1</a:t>
-            </a:r>
-            <a:r>
-              <a:rPr lang="en-US" baseline="30000" dirty="0" smtClean="0">
-                <a:hlinkClick r:id="rId4"/>
+              <a:t>software libraries</a:t>
+            </a:r>
+            <a:r>
+              <a:rPr lang="en-US" dirty="0"/>
+              <a:t>, where the caller delegates to an external </a:t>
+            </a:r>
+            <a:r>
+              <a:rPr lang="en-US" dirty="0">
+                <a:hlinkClick r:id="rId6" tooltip="Software framework"/>
               </a:rPr>
-              <a:t>]</a:t>
-            </a:r>
-            <a:endParaRPr lang="en-US" baseline="30000" dirty="0" smtClean="0"/>
+              <a:t>framework</a:t>
+            </a:r>
+            <a:r>
+              <a:rPr lang="en-US" dirty="0"/>
+              <a:t> the </a:t>
+            </a:r>
+            <a:r>
+              <a:rPr lang="en-US" dirty="0">
+                <a:hlinkClick r:id="rId7" tooltip="Control flow"/>
+              </a:rPr>
+              <a:t>control flow</a:t>
+            </a:r>
+            <a:r>
+              <a:rPr lang="en-US" dirty="0"/>
+              <a:t> of discovering and importing </a:t>
+            </a:r>
+            <a:r>
+              <a:rPr lang="en-US" dirty="0" err="1"/>
+              <a:t>a</a:t>
+            </a:r>
+            <a:r>
+              <a:rPr lang="en-US" dirty="0" err="1">
+                <a:hlinkClick r:id="rId8" tooltip="Service (systems architecture)"/>
+              </a:rPr>
+              <a:t>service</a:t>
+            </a:r>
+            <a:r>
+              <a:rPr lang="en-US" dirty="0"/>
+              <a:t> or </a:t>
+            </a:r>
+            <a:r>
+              <a:rPr lang="en-US" dirty="0">
+                <a:hlinkClick r:id="rId9" tooltip="Modular programming"/>
+              </a:rPr>
+              <a:t>software module</a:t>
+            </a:r>
+            <a:r>
+              <a:rPr lang="en-US" dirty="0"/>
+              <a:t>. Dependency injection allows a program design to follow the </a:t>
+            </a:r>
+            <a:r>
+              <a:rPr lang="en-US" dirty="0">
+                <a:hlinkClick r:id="rId10" tooltip="Dependency inversion principle"/>
+              </a:rPr>
+              <a:t>dependency inversion principle</a:t>
+            </a:r>
+            <a:r>
+              <a:rPr lang="en-US" dirty="0"/>
+              <a:t> where modules are </a:t>
+            </a:r>
+            <a:r>
+              <a:rPr lang="en-US" dirty="0">
+                <a:hlinkClick r:id="rId11" tooltip="Loosely coupled"/>
+              </a:rPr>
+              <a:t>loosely coupled</a:t>
+            </a:r>
+            <a:r>
+              <a:rPr lang="en-US" dirty="0"/>
+              <a:t>. With dependency injection, the client part of a program which uses a module or service doesn't need to know all its details, and typically the module can be replaced by another one of similar characteristics without altering the client.</a:t>
+            </a:r>
           </a:p>
           <a:p>
             <a:pPr lvl="1"/>
             <a:r>
+              <a:rPr lang="en-US" dirty="0"/>
+              <a:t>An injection is the passing of a </a:t>
+            </a:r>
+            <a:r>
               <a:rPr lang="en-US" dirty="0">
-                <a:hlinkClick r:id="rId5"/>
+                <a:hlinkClick r:id="rId12" tooltip="Coupling (computer programming)"/>
+              </a:rPr>
+              <a:t>dependency</a:t>
+            </a:r>
+            <a:r>
+              <a:rPr lang="en-US" dirty="0"/>
+              <a:t> (a service) to a dependent </a:t>
+            </a:r>
+            <a:r>
+              <a:rPr lang="en-US" dirty="0">
+                <a:hlinkClick r:id="rId13" tooltip="Object (computer science)"/>
+              </a:rPr>
+              <a:t>object</a:t>
+            </a:r>
+            <a:r>
+              <a:rPr lang="en-US" dirty="0"/>
+              <a:t> (a client). The service is made part of the client's state. Passing the service to the client, rather than allowing a client to build or find the service, is the fundamental requirement of the pattern.</a:t>
+            </a:r>
+          </a:p>
+          <a:p>
+            <a:pPr lvl="1"/>
+            <a:r>
+              <a:rPr lang="en-US" dirty="0"/>
+              <a:t>There are three common forms of dependency injection: </a:t>
+            </a:r>
+            <a:r>
+              <a:rPr lang="en-US" dirty="0">
+                <a:hlinkClick r:id="rId14" tooltip="Setter"/>
+              </a:rPr>
+              <a:t>setter</a:t>
+            </a:r>
+            <a:r>
+              <a:rPr lang="en-US" dirty="0"/>
+              <a:t>-, </a:t>
+            </a:r>
+            <a:r>
+              <a:rPr lang="en-US" dirty="0">
+                <a:hlinkClick r:id="rId15" tooltip="Interface"/>
+              </a:rPr>
+              <a:t>interface</a:t>
+            </a:r>
+            <a:r>
+              <a:rPr lang="en-US" dirty="0"/>
+              <a:t>- and </a:t>
+            </a:r>
+            <a:r>
+              <a:rPr lang="en-US" dirty="0">
+                <a:hlinkClick r:id="rId16" tooltip="Constructor"/>
+              </a:rPr>
+              <a:t>constructor</a:t>
+            </a:r>
+            <a:r>
+              <a:rPr lang="en-US" dirty="0"/>
+              <a:t>-based injection, where the responsibility of injecting the dependency lies upon the client, the service or the constructor method respectively</a:t>
+            </a:r>
+            <a:r>
+              <a:rPr lang="en-US" dirty="0" smtClean="0"/>
+              <a:t>.</a:t>
+            </a:r>
+          </a:p>
+          <a:p>
+            <a:pPr lvl="1"/>
+            <a:r>
+              <a:rPr lang="en-US" dirty="0">
+                <a:hlinkClick r:id="rId17"/>
               </a:rPr>
               <a:t>http://</a:t>
             </a:r>
             <a:r>
               <a:rPr lang="en-US" dirty="0" smtClean="0">
-                <a:hlinkClick r:id="rId5"/>
+                <a:hlinkClick r:id="rId17"/>
               </a:rPr>
-              <a:t>en.wikipedia.org/wiki/Service_locator_pattern</a:t>
+              <a:t>en.wikipedia.org/wiki/Dependency_injection</a:t>
             </a:r>
             <a:endParaRPr lang="en-US" dirty="0" smtClean="0"/>
           </a:p>
@@ -3641,7 +3826,7 @@
     </p:spTree>
     <p:extLst>
       <p:ext uri="{BB962C8B-B14F-4D97-AF65-F5344CB8AC3E}">
-        <p14:creationId xmlns:p14="http://schemas.microsoft.com/office/powerpoint/2010/main" val="2683994159"/>
+        <p14:creationId xmlns:p14="http://schemas.microsoft.com/office/powerpoint/2010/main" val="2290002807"/>
       </p:ext>
     </p:extLst>
   </p:cSld>
@@ -3684,12 +3869,8 @@
           <a:lstStyle/>
           <a:p>
             <a:r>
-              <a:rPr lang="en-US" dirty="0" err="1" smtClean="0"/>
-              <a:t>IoC</a:t>
-            </a:r>
-            <a:r>
-              <a:rPr lang="en-US" dirty="0" smtClean="0"/>
-              <a:t> Implementations (3)</a:t>
+              <a:rPr lang="en-US" dirty="0" smtClean="0"/>
+              <a:t>Issues</a:t>
             </a:r>
             <a:endParaRPr lang="en-US" dirty="0"/>
           </a:p>
@@ -3707,221 +3888,28 @@
         </p:nvSpPr>
         <p:spPr/>
         <p:txBody>
-          <a:bodyPr>
-            <a:normAutofit fontScale="70000" lnSpcReduction="20000"/>
-          </a:bodyPr>
-          <a:lstStyle/>
-          <a:p>
-            <a:r>
-              <a:rPr lang="en-US" dirty="0" smtClean="0"/>
-              <a:t>Dependency Injection</a:t>
-            </a:r>
-          </a:p>
-          <a:p>
-            <a:pPr lvl="1"/>
-            <a:r>
-              <a:rPr lang="en-US" dirty="0"/>
-              <a:t>In </a:t>
-            </a:r>
-            <a:r>
-              <a:rPr lang="en-US" dirty="0">
-                <a:hlinkClick r:id="rId2" tooltip="Software engineering"/>
-              </a:rPr>
-              <a:t>software engineering</a:t>
-            </a:r>
-            <a:r>
-              <a:rPr lang="en-US" dirty="0"/>
-              <a:t>, </a:t>
-            </a:r>
-            <a:r>
-              <a:rPr lang="en-US" b="1" dirty="0"/>
-              <a:t>dependency injection</a:t>
-            </a:r>
-            <a:r>
-              <a:rPr lang="en-US" dirty="0"/>
-              <a:t> is a </a:t>
-            </a:r>
-            <a:r>
-              <a:rPr lang="en-US" dirty="0">
-                <a:hlinkClick r:id="rId3" tooltip="Software design pattern"/>
-              </a:rPr>
-              <a:t>software design pattern</a:t>
-            </a:r>
-            <a:r>
-              <a:rPr lang="en-US" dirty="0"/>
-              <a:t> that implements </a:t>
-            </a:r>
-            <a:r>
-              <a:rPr lang="en-US" dirty="0">
-                <a:hlinkClick r:id="rId4" tooltip="Inversion of control"/>
-              </a:rPr>
-              <a:t>inversion of control</a:t>
-            </a:r>
-            <a:r>
-              <a:rPr lang="en-US" dirty="0"/>
-              <a:t> for </a:t>
-            </a:r>
-            <a:r>
-              <a:rPr lang="en-US" dirty="0">
-                <a:hlinkClick r:id="rId5" tooltip="Software libraries"/>
-              </a:rPr>
-              <a:t>software libraries</a:t>
-            </a:r>
-            <a:r>
-              <a:rPr lang="en-US" dirty="0"/>
-              <a:t>, where the caller delegates to an external </a:t>
-            </a:r>
-            <a:r>
-              <a:rPr lang="en-US" dirty="0">
-                <a:hlinkClick r:id="rId6" tooltip="Software framework"/>
-              </a:rPr>
-              <a:t>framework</a:t>
-            </a:r>
-            <a:r>
-              <a:rPr lang="en-US" dirty="0"/>
-              <a:t> the </a:t>
-            </a:r>
-            <a:r>
-              <a:rPr lang="en-US" dirty="0">
-                <a:hlinkClick r:id="rId7" tooltip="Control flow"/>
-              </a:rPr>
-              <a:t>control flow</a:t>
-            </a:r>
-            <a:r>
-              <a:rPr lang="en-US" dirty="0"/>
-              <a:t> of discovering and importing </a:t>
-            </a:r>
-            <a:r>
-              <a:rPr lang="en-US" dirty="0" err="1"/>
-              <a:t>a</a:t>
-            </a:r>
-            <a:r>
-              <a:rPr lang="en-US" dirty="0" err="1">
-                <a:hlinkClick r:id="rId8" tooltip="Service (systems architecture)"/>
-              </a:rPr>
-              <a:t>service</a:t>
-            </a:r>
-            <a:r>
-              <a:rPr lang="en-US" dirty="0"/>
-              <a:t> or </a:t>
-            </a:r>
-            <a:r>
-              <a:rPr lang="en-US" dirty="0">
-                <a:hlinkClick r:id="rId9" tooltip="Modular programming"/>
-              </a:rPr>
-              <a:t>software module</a:t>
-            </a:r>
-            <a:r>
-              <a:rPr lang="en-US" dirty="0"/>
-              <a:t>. Dependency injection allows a program design to follow the </a:t>
-            </a:r>
-            <a:r>
-              <a:rPr lang="en-US" dirty="0">
-                <a:hlinkClick r:id="rId10" tooltip="Dependency inversion principle"/>
-              </a:rPr>
-              <a:t>dependency inversion principle</a:t>
-            </a:r>
-            <a:r>
-              <a:rPr lang="en-US" dirty="0"/>
-              <a:t> where modules are </a:t>
-            </a:r>
-            <a:r>
-              <a:rPr lang="en-US" dirty="0">
-                <a:hlinkClick r:id="rId11" tooltip="Loosely coupled"/>
-              </a:rPr>
-              <a:t>loosely coupled</a:t>
-            </a:r>
-            <a:r>
-              <a:rPr lang="en-US" dirty="0"/>
-              <a:t>. With dependency injection, the client part of a program which uses a module or service doesn't need to know all its details, and typically the module can be replaced by another one of similar characteristics without altering the client.</a:t>
-            </a:r>
-          </a:p>
-          <a:p>
-            <a:pPr lvl="1"/>
-            <a:r>
-              <a:rPr lang="en-US" dirty="0"/>
-              <a:t>An injection is the passing of a </a:t>
-            </a:r>
-            <a:r>
-              <a:rPr lang="en-US" dirty="0">
-                <a:hlinkClick r:id="rId12" tooltip="Coupling (computer programming)"/>
-              </a:rPr>
-              <a:t>dependency</a:t>
-            </a:r>
-            <a:r>
-              <a:rPr lang="en-US" dirty="0"/>
-              <a:t> (a service) to a dependent </a:t>
-            </a:r>
-            <a:r>
-              <a:rPr lang="en-US" dirty="0">
-                <a:hlinkClick r:id="rId13" tooltip="Object (computer science)"/>
-              </a:rPr>
-              <a:t>object</a:t>
-            </a:r>
-            <a:r>
-              <a:rPr lang="en-US" dirty="0"/>
-              <a:t> (a client). The service is made part of the client's state. Passing the service to the client, rather than allowing a client to build or find the service, is the fundamental requirement of the pattern.</a:t>
-            </a:r>
-          </a:p>
-          <a:p>
-            <a:pPr lvl="1"/>
-            <a:r>
-              <a:rPr lang="en-US" dirty="0"/>
-              <a:t>There are three common forms of dependency injection: </a:t>
-            </a:r>
-            <a:r>
-              <a:rPr lang="en-US" dirty="0">
-                <a:hlinkClick r:id="rId14" tooltip="Setter"/>
-              </a:rPr>
-              <a:t>setter</a:t>
-            </a:r>
-            <a:r>
-              <a:rPr lang="en-US" dirty="0"/>
-              <a:t>-, </a:t>
-            </a:r>
-            <a:r>
-              <a:rPr lang="en-US" dirty="0">
-                <a:hlinkClick r:id="rId15" tooltip="Interface"/>
-              </a:rPr>
-              <a:t>interface</a:t>
-            </a:r>
-            <a:r>
-              <a:rPr lang="en-US" dirty="0"/>
-              <a:t>- and </a:t>
-            </a:r>
-            <a:r>
-              <a:rPr lang="en-US" dirty="0">
-                <a:hlinkClick r:id="rId16" tooltip="Constructor"/>
-              </a:rPr>
-              <a:t>constructor</a:t>
-            </a:r>
-            <a:r>
-              <a:rPr lang="en-US" dirty="0"/>
-              <a:t>-based injection, where the responsibility of injecting the dependency lies upon the client, the service or the constructor method respectively</a:t>
-            </a:r>
-            <a:r>
-              <a:rPr lang="en-US" dirty="0" smtClean="0"/>
-              <a:t>.</a:t>
-            </a:r>
-          </a:p>
-          <a:p>
-            <a:pPr lvl="1"/>
-            <a:r>
-              <a:rPr lang="en-US" dirty="0">
-                <a:hlinkClick r:id="rId17"/>
-              </a:rPr>
-              <a:t>http://</a:t>
-            </a:r>
-            <a:r>
-              <a:rPr lang="en-US" dirty="0" smtClean="0">
-                <a:hlinkClick r:id="rId17"/>
-              </a:rPr>
-              <a:t>en.wikipedia.org/wiki/Dependency_injection</a:t>
-            </a:r>
-            <a:endParaRPr lang="en-US" dirty="0" smtClean="0"/>
-          </a:p>
-          <a:p>
-            <a:pPr lvl="1"/>
+          <a:bodyPr/>
+          <a:lstStyle/>
+          <a:p>
+            <a:r>
+              <a:rPr lang="en-US" dirty="0" smtClean="0"/>
+              <a:t>My code still needs to “get” objects</a:t>
+            </a:r>
+          </a:p>
+          <a:p>
+            <a:r>
+              <a:rPr lang="en-US" dirty="0" smtClean="0"/>
+              <a:t>I would prefer that I be given the objects so I don’t have to create them</a:t>
+            </a:r>
+          </a:p>
+          <a:p>
+            <a:endParaRPr lang="en-US" dirty="0"/>
+          </a:p>
+          <a:p>
+            <a:r>
+              <a:rPr lang="en-US" dirty="0" smtClean="0"/>
+              <a:t>This is solved by Injection – module 3</a:t>
+            </a:r>
             <a:endParaRPr lang="en-US" dirty="0"/>
           </a:p>
         </p:txBody>
@@ -3929,7 +3917,7 @@
     </p:spTree>
     <p:extLst>
       <p:ext uri="{BB962C8B-B14F-4D97-AF65-F5344CB8AC3E}">
-        <p14:creationId xmlns:p14="http://schemas.microsoft.com/office/powerpoint/2010/main" val="2290002807"/>
+        <p14:creationId xmlns:p14="http://schemas.microsoft.com/office/powerpoint/2010/main" val="3253955896"/>
       </p:ext>
     </p:extLst>
   </p:cSld>
@@ -3973,97 +3961,6 @@
           <a:p>
             <a:r>
               <a:rPr lang="en-US" dirty="0" smtClean="0"/>
-              <a:t>Issues</a:t>
-            </a:r>
-            <a:endParaRPr lang="en-US" dirty="0"/>
-          </a:p>
-        </p:txBody>
-      </p:sp>
-      <p:sp>
-        <p:nvSpPr>
-          <p:cNvPr id="3" name="Content Placeholder 2"/>
-          <p:cNvSpPr>
-            <a:spLocks noGrp="1"/>
-          </p:cNvSpPr>
-          <p:nvPr>
-            <p:ph idx="1"/>
-          </p:nvPr>
-        </p:nvSpPr>
-        <p:spPr/>
-        <p:txBody>
-          <a:bodyPr/>
-          <a:lstStyle/>
-          <a:p>
-            <a:r>
-              <a:rPr lang="en-US" dirty="0" smtClean="0"/>
-              <a:t>My code still needs to “get” objects</a:t>
-            </a:r>
-          </a:p>
-          <a:p>
-            <a:r>
-              <a:rPr lang="en-US" dirty="0" smtClean="0"/>
-              <a:t>I would prefer that I be given the objects so I don’t have to create them</a:t>
-            </a:r>
-          </a:p>
-          <a:p>
-            <a:endParaRPr lang="en-US" dirty="0"/>
-          </a:p>
-          <a:p>
-            <a:r>
-              <a:rPr lang="en-US" dirty="0" smtClean="0"/>
-              <a:t>This is solved by Injection – module 3</a:t>
-            </a:r>
-            <a:endParaRPr lang="en-US" dirty="0"/>
-          </a:p>
-        </p:txBody>
-      </p:sp>
-    </p:spTree>
-    <p:extLst>
-      <p:ext uri="{BB962C8B-B14F-4D97-AF65-F5344CB8AC3E}">
-        <p14:creationId xmlns:p14="http://schemas.microsoft.com/office/powerpoint/2010/main" val="3253955896"/>
-      </p:ext>
-    </p:extLst>
-  </p:cSld>
-  <p:clrMapOvr>
-    <a:masterClrMapping/>
-  </p:clrMapOvr>
-</p:sld>
-</file>
-
-<file path=ppt/slides/slide16.xml><?xml version="1.0" encoding="utf-8"?>
-<p:sld xmlns:a="http://schemas.openxmlformats.org/drawingml/2006/main" xmlns:r="http://schemas.openxmlformats.org/officeDocument/2006/relationships" xmlns:p="http://schemas.openxmlformats.org/presentationml/2006/main">
-  <p:cSld>
-    <p:spTree>
-      <p:nvGrpSpPr>
-        <p:cNvPr id="1" name=""/>
-        <p:cNvGrpSpPr/>
-        <p:nvPr/>
-      </p:nvGrpSpPr>
-      <p:grpSpPr>
-        <a:xfrm>
-          <a:off x="0" y="0"/>
-          <a:ext cx="0" cy="0"/>
-          <a:chOff x="0" y="0"/>
-          <a:chExt cx="0" cy="0"/>
-        </a:xfrm>
-      </p:grpSpPr>
-      <p:sp>
-        <p:nvSpPr>
-          <p:cNvPr id="2" name="Title 1"/>
-          <p:cNvSpPr>
-            <a:spLocks noGrp="1"/>
-          </p:cNvSpPr>
-          <p:nvPr>
-            <p:ph type="title"/>
-          </p:nvPr>
-        </p:nvSpPr>
-        <p:spPr/>
-        <p:txBody>
-          <a:bodyPr/>
-          <a:lstStyle/>
-          <a:p>
-            <a:r>
-              <a:rPr lang="en-US" dirty="0" smtClean="0"/>
               <a:t>Summary</a:t>
             </a:r>
             <a:endParaRPr lang="en-US" dirty="0"/>
@@ -4129,123 +4026,6 @@
 </file>
 
 <file path=ppt/slides/slide2.xml><?xml version="1.0" encoding="utf-8"?>
-<p:sld xmlns:a="http://schemas.openxmlformats.org/drawingml/2006/main" xmlns:r="http://schemas.openxmlformats.org/officeDocument/2006/relationships" xmlns:p="http://schemas.openxmlformats.org/presentationml/2006/main">
-  <p:cSld>
-    <p:spTree>
-      <p:nvGrpSpPr>
-        <p:cNvPr id="1" name=""/>
-        <p:cNvGrpSpPr/>
-        <p:nvPr/>
-      </p:nvGrpSpPr>
-      <p:grpSpPr>
-        <a:xfrm>
-          <a:off x="0" y="0"/>
-          <a:ext cx="0" cy="0"/>
-          <a:chOff x="0" y="0"/>
-          <a:chExt cx="0" cy="0"/>
-        </a:xfrm>
-      </p:grpSpPr>
-      <p:sp>
-        <p:nvSpPr>
-          <p:cNvPr id="2" name="Title 1"/>
-          <p:cNvSpPr>
-            <a:spLocks noGrp="1"/>
-          </p:cNvSpPr>
-          <p:nvPr>
-            <p:ph type="ctrTitle"/>
-          </p:nvPr>
-        </p:nvSpPr>
-        <p:spPr/>
-        <p:txBody>
-          <a:bodyPr>
-            <a:normAutofit/>
-          </a:bodyPr>
-          <a:lstStyle/>
-          <a:p>
-            <a:r>
-              <a:rPr lang="en-US" dirty="0" err="1" smtClean="0"/>
-              <a:t>IoC</a:t>
-            </a:r>
-            <a:r>
-              <a:rPr lang="en-US" dirty="0" smtClean="0"/>
-              <a:t> and DI with </a:t>
-            </a:r>
-            <a:r>
-              <a:rPr lang="en-US" dirty="0" err="1" smtClean="0"/>
-              <a:t>Ninject</a:t>
-            </a:r>
-            <a:r>
-              <a:rPr lang="en-US" dirty="0" smtClean="0"/>
-              <a:t/>
-            </a:r>
-            <a:br>
-              <a:rPr lang="en-US" dirty="0" smtClean="0"/>
-            </a:br>
-            <a:endParaRPr lang="en-US" dirty="0"/>
-          </a:p>
-        </p:txBody>
-      </p:sp>
-      <p:sp>
-        <p:nvSpPr>
-          <p:cNvPr id="3" name="Subtitle 2"/>
-          <p:cNvSpPr>
-            <a:spLocks noGrp="1"/>
-          </p:cNvSpPr>
-          <p:nvPr>
-            <p:ph type="subTitle" idx="1"/>
-          </p:nvPr>
-        </p:nvSpPr>
-        <p:spPr/>
-        <p:txBody>
-          <a:bodyPr/>
-          <a:lstStyle/>
-          <a:p>
-            <a:r>
-              <a:rPr lang="en-US" dirty="0" smtClean="0"/>
-              <a:t>2 – Inversion of Control</a:t>
-            </a:r>
-            <a:endParaRPr lang="en-US" dirty="0"/>
-          </a:p>
-        </p:txBody>
-      </p:sp>
-      <p:pic>
-        <p:nvPicPr>
-          <p:cNvPr id="18" name="Picture 17"/>
-          <p:cNvPicPr>
-            <a:picLocks noChangeAspect="1"/>
-          </p:cNvPicPr>
-          <p:nvPr/>
-        </p:nvPicPr>
-        <p:blipFill>
-          <a:blip r:embed="rId2"/>
-          <a:stretch>
-            <a:fillRect/>
-          </a:stretch>
-        </p:blipFill>
-        <p:spPr>
-          <a:xfrm>
-            <a:off x="6795622" y="4629150"/>
-            <a:ext cx="2153335" cy="2133818"/>
-          </a:xfrm>
-          <a:prstGeom prst="rect">
-            <a:avLst/>
-          </a:prstGeom>
-        </p:spPr>
-      </p:pic>
-    </p:spTree>
-    <p:extLst>
-      <p:ext uri="{BB962C8B-B14F-4D97-AF65-F5344CB8AC3E}">
-        <p14:creationId xmlns:p14="http://schemas.microsoft.com/office/powerpoint/2010/main" val="582958727"/>
-      </p:ext>
-    </p:extLst>
-  </p:cSld>
-  <p:clrMapOvr>
-    <a:masterClrMapping/>
-  </p:clrMapOvr>
-</p:sld>
-</file>
-
-<file path=ppt/slides/slide3.xml><?xml version="1.0" encoding="utf-8"?>
 <p:sld xmlns:a="http://schemas.openxmlformats.org/drawingml/2006/main" xmlns:r="http://schemas.openxmlformats.org/officeDocument/2006/relationships" xmlns:p="http://schemas.openxmlformats.org/presentationml/2006/main">
   <p:cSld>
     <p:spTree>
@@ -4375,6 +4155,104 @@
 </p:sld>
 </file>
 
+<file path=ppt/slides/slide3.xml><?xml version="1.0" encoding="utf-8"?>
+<p:sld xmlns:a="http://schemas.openxmlformats.org/drawingml/2006/main" xmlns:r="http://schemas.openxmlformats.org/officeDocument/2006/relationships" xmlns:p="http://schemas.openxmlformats.org/presentationml/2006/main">
+  <p:cSld>
+    <p:spTree>
+      <p:nvGrpSpPr>
+        <p:cNvPr id="1" name=""/>
+        <p:cNvGrpSpPr/>
+        <p:nvPr/>
+      </p:nvGrpSpPr>
+      <p:grpSpPr>
+        <a:xfrm>
+          <a:off x="0" y="0"/>
+          <a:ext cx="0" cy="0"/>
+          <a:chOff x="0" y="0"/>
+          <a:chExt cx="0" cy="0"/>
+        </a:xfrm>
+      </p:grpSpPr>
+      <p:sp>
+        <p:nvSpPr>
+          <p:cNvPr id="2" name="Title 1"/>
+          <p:cNvSpPr>
+            <a:spLocks noGrp="1"/>
+          </p:cNvSpPr>
+          <p:nvPr>
+            <p:ph type="title"/>
+          </p:nvPr>
+        </p:nvSpPr>
+        <p:spPr/>
+        <p:txBody>
+          <a:bodyPr/>
+          <a:lstStyle/>
+          <a:p>
+            <a:r>
+              <a:rPr lang="en-US" dirty="0" smtClean="0"/>
+              <a:t>Forces</a:t>
+            </a:r>
+            <a:endParaRPr lang="en-US" dirty="0"/>
+          </a:p>
+        </p:txBody>
+      </p:sp>
+      <p:sp>
+        <p:nvSpPr>
+          <p:cNvPr id="3" name="Content Placeholder 2"/>
+          <p:cNvSpPr>
+            <a:spLocks noGrp="1"/>
+          </p:cNvSpPr>
+          <p:nvPr>
+            <p:ph idx="1"/>
+          </p:nvPr>
+        </p:nvSpPr>
+        <p:spPr/>
+        <p:txBody>
+          <a:bodyPr>
+            <a:normAutofit fontScale="92500" lnSpcReduction="10000"/>
+          </a:bodyPr>
+          <a:lstStyle/>
+          <a:p>
+            <a:r>
+              <a:rPr lang="en-US" dirty="0"/>
+              <a:t>You want to decouple your classes from their dependencies so that the dependencies can be replaced or updated with minimal or no changes to your classes' source code.</a:t>
+            </a:r>
+          </a:p>
+          <a:p>
+            <a:r>
+              <a:rPr lang="en-US" dirty="0"/>
+              <a:t>You want to write classes that depend on classes whose concrete implementations are not known at compile time.</a:t>
+            </a:r>
+          </a:p>
+          <a:p>
+            <a:r>
+              <a:rPr lang="en-US" dirty="0"/>
+              <a:t>You want to test your classes in isolation, without using the dependencies.</a:t>
+            </a:r>
+          </a:p>
+          <a:p>
+            <a:r>
+              <a:rPr lang="en-US" dirty="0"/>
+              <a:t>You want to decouple your classes from being responsible for locating and managing the lifetime of dependencies.</a:t>
+            </a:r>
+          </a:p>
+          <a:p>
+            <a:endParaRPr lang="en-US" dirty="0"/>
+          </a:p>
+        </p:txBody>
+      </p:sp>
+    </p:spTree>
+    <p:extLst>
+      <p:ext uri="{BB962C8B-B14F-4D97-AF65-F5344CB8AC3E}">
+        <p14:creationId xmlns:p14="http://schemas.microsoft.com/office/powerpoint/2010/main" val="3609315415"/>
+      </p:ext>
+    </p:extLst>
+  </p:cSld>
+  <p:clrMapOvr>
+    <a:masterClrMapping/>
+  </p:clrMapOvr>
+</p:sld>
+</file>
+
 <file path=ppt/slides/slide4.xml><?xml version="1.0" encoding="utf-8"?>
 <p:sld xmlns:a="http://schemas.openxmlformats.org/drawingml/2006/main" xmlns:r="http://schemas.openxmlformats.org/officeDocument/2006/relationships" xmlns:p="http://schemas.openxmlformats.org/presentationml/2006/main">
   <p:cSld>
@@ -4408,8 +4286,12 @@
           <a:lstStyle/>
           <a:p>
             <a:r>
-              <a:rPr lang="en-US" dirty="0" smtClean="0"/>
-              <a:t>Forces</a:t>
+              <a:rPr lang="en-US" dirty="0" err="1" smtClean="0"/>
+              <a:t>IoC</a:t>
+            </a:r>
+            <a:r>
+              <a:rPr lang="en-US" dirty="0" smtClean="0"/>
+              <a:t> vs DIP</a:t>
             </a:r>
             <a:endParaRPr lang="en-US" dirty="0"/>
           </a:p>
@@ -4428,42 +4310,94 @@
         <p:spPr/>
         <p:txBody>
           <a:bodyPr>
-            <a:normAutofit fontScale="92500" lnSpcReduction="10000"/>
+            <a:normAutofit/>
           </a:bodyPr>
           <a:lstStyle/>
           <a:p>
             <a:r>
-              <a:rPr lang="en-US" dirty="0"/>
-              <a:t>You want to decouple your classes from their dependencies so that the dependencies can be replaced or updated with minimal or no changes to your classes' source code.</a:t>
-            </a:r>
-          </a:p>
-          <a:p>
-            <a:r>
-              <a:rPr lang="en-US" dirty="0"/>
-              <a:t>You want to write classes that depend on classes whose concrete implementations are not known at compile time.</a:t>
-            </a:r>
-          </a:p>
-          <a:p>
-            <a:r>
-              <a:rPr lang="en-US" dirty="0"/>
-              <a:t>You want to test your classes in isolation, without using the dependencies.</a:t>
-            </a:r>
-          </a:p>
-          <a:p>
-            <a:r>
-              <a:rPr lang="en-US" dirty="0"/>
-              <a:t>You want to decouple your classes from being responsible for locating and managing the lifetime of dependencies.</a:t>
-            </a:r>
-          </a:p>
-          <a:p>
-            <a:endParaRPr lang="en-US" dirty="0"/>
+              <a:rPr lang="en-US" dirty="0" err="1" smtClean="0"/>
+              <a:t>IoC</a:t>
+            </a:r>
+            <a:r>
+              <a:rPr lang="en-US" dirty="0" smtClean="0"/>
+              <a:t> is an implementation of DIP</a:t>
+            </a:r>
+          </a:p>
+          <a:p>
+            <a:r>
+              <a:rPr lang="en-US" dirty="0" smtClean="0"/>
+              <a:t>Many implementations of </a:t>
+            </a:r>
+            <a:r>
+              <a:rPr lang="en-US" dirty="0" err="1" smtClean="0"/>
+              <a:t>IoC</a:t>
+            </a:r>
+            <a:r>
+              <a:rPr lang="en-US" dirty="0" smtClean="0"/>
+              <a:t> / DIP</a:t>
+            </a:r>
+          </a:p>
+          <a:p>
+            <a:pPr lvl="1"/>
+            <a:r>
+              <a:rPr lang="en-US" dirty="0" smtClean="0"/>
+              <a:t>Unity, Castle, </a:t>
+            </a:r>
+            <a:r>
+              <a:rPr lang="en-US" dirty="0" err="1" smtClean="0"/>
+              <a:t>Ninject</a:t>
+            </a:r>
+            <a:r>
+              <a:rPr lang="en-US" dirty="0" smtClean="0"/>
+              <a:t>, </a:t>
+            </a:r>
+            <a:r>
+              <a:rPr lang="en-US" dirty="0" err="1" smtClean="0"/>
+              <a:t>StructureMap</a:t>
+            </a:r>
+            <a:r>
+              <a:rPr lang="en-US" dirty="0" smtClean="0"/>
+              <a:t>, …</a:t>
+            </a:r>
+          </a:p>
+          <a:p>
+            <a:r>
+              <a:rPr lang="en-US" dirty="0" smtClean="0"/>
+              <a:t>Flattening of hierarchy through interfaces</a:t>
+            </a:r>
+          </a:p>
+          <a:p>
+            <a:r>
+              <a:rPr lang="en-US" dirty="0" smtClean="0"/>
+              <a:t>Removal of dependency on physical implementation</a:t>
+            </a:r>
+          </a:p>
+          <a:p>
+            <a:r>
+              <a:rPr lang="en-US" dirty="0" smtClean="0"/>
+              <a:t>Rules engine for deciding </a:t>
+            </a:r>
+          </a:p>
+          <a:p>
+            <a:pPr lvl="1"/>
+            <a:r>
+              <a:rPr lang="en-US" dirty="0" smtClean="0"/>
+              <a:t>which implementations are used</a:t>
+            </a:r>
+          </a:p>
+          <a:p>
+            <a:pPr lvl="1"/>
+            <a:r>
+              <a:rPr lang="en-US" dirty="0" smtClean="0"/>
+              <a:t>And how object lifetimes are managed</a:t>
+            </a:r>
           </a:p>
         </p:txBody>
       </p:sp>
     </p:spTree>
     <p:extLst>
       <p:ext uri="{BB962C8B-B14F-4D97-AF65-F5344CB8AC3E}">
-        <p14:creationId xmlns:p14="http://schemas.microsoft.com/office/powerpoint/2010/main" val="3609315415"/>
+        <p14:creationId xmlns:p14="http://schemas.microsoft.com/office/powerpoint/2010/main" val="163873155"/>
       </p:ext>
     </p:extLst>
   </p:cSld>
@@ -4506,12 +4440,8 @@
           <a:lstStyle/>
           <a:p>
             <a:r>
-              <a:rPr lang="en-US" dirty="0" err="1" smtClean="0"/>
-              <a:t>IoC</a:t>
-            </a:r>
-            <a:r>
-              <a:rPr lang="en-US" dirty="0" smtClean="0"/>
-              <a:t> vs DIP</a:t>
+              <a:rPr lang="en-US" dirty="0" smtClean="0"/>
+              <a:t>Types of Control Inversion</a:t>
             </a:r>
             <a:endParaRPr lang="en-US" dirty="0"/>
           </a:p>
@@ -4529,95 +4459,35 @@
         </p:nvSpPr>
         <p:spPr/>
         <p:txBody>
-          <a:bodyPr>
-            <a:normAutofit/>
-          </a:bodyPr>
-          <a:lstStyle/>
-          <a:p>
-            <a:r>
-              <a:rPr lang="en-US" dirty="0" err="1" smtClean="0"/>
-              <a:t>IoC</a:t>
-            </a:r>
-            <a:r>
-              <a:rPr lang="en-US" dirty="0" smtClean="0"/>
-              <a:t> is an implementation of DIP</a:t>
-            </a:r>
-          </a:p>
-          <a:p>
-            <a:r>
-              <a:rPr lang="en-US" dirty="0" smtClean="0"/>
-              <a:t>Many implementations of </a:t>
-            </a:r>
-            <a:r>
-              <a:rPr lang="en-US" dirty="0" err="1" smtClean="0"/>
-              <a:t>IoC</a:t>
-            </a:r>
-            <a:r>
-              <a:rPr lang="en-US" dirty="0" smtClean="0"/>
-              <a:t> / DIP</a:t>
-            </a:r>
-          </a:p>
-          <a:p>
-            <a:pPr lvl="1"/>
-            <a:r>
-              <a:rPr lang="en-US" dirty="0" smtClean="0"/>
-              <a:t>Unity, Castle, </a:t>
-            </a:r>
-            <a:r>
-              <a:rPr lang="en-US" dirty="0" err="1" smtClean="0"/>
-              <a:t>Ninject</a:t>
-            </a:r>
-            <a:r>
-              <a:rPr lang="en-US" dirty="0" smtClean="0"/>
-              <a:t>, </a:t>
-            </a:r>
-            <a:r>
-              <a:rPr lang="en-US" dirty="0" err="1" smtClean="0"/>
-              <a:t>StructureMap</a:t>
-            </a:r>
-            <a:r>
-              <a:rPr lang="en-US" dirty="0" smtClean="0"/>
-              <a:t>, …</a:t>
-            </a:r>
-          </a:p>
-          <a:p>
-            <a:r>
-              <a:rPr lang="en-US" dirty="0" smtClean="0"/>
-              <a:t>Flattening of hierarchy through interfaces</a:t>
-            </a:r>
-          </a:p>
-          <a:p>
-            <a:r>
-              <a:rPr lang="en-US" dirty="0" smtClean="0"/>
-              <a:t>Removal of dependency on physical implementation</a:t>
-            </a:r>
-          </a:p>
-          <a:p>
-            <a:r>
-              <a:rPr lang="en-US" dirty="0" smtClean="0"/>
-              <a:t>Rules engine for deciding </a:t>
-            </a:r>
-          </a:p>
-          <a:p>
-            <a:pPr lvl="1"/>
-            <a:r>
-              <a:rPr lang="en-US" dirty="0" smtClean="0"/>
-              <a:t>which implementations are used</a:t>
-            </a:r>
-          </a:p>
-          <a:p>
-            <a:pPr lvl="1"/>
-            <a:r>
-              <a:rPr lang="en-US" dirty="0" smtClean="0"/>
-              <a:t>And how object lifetimes are managed</a:t>
-            </a:r>
+          <a:bodyPr/>
+          <a:lstStyle/>
+          <a:p>
+            <a:r>
+              <a:rPr lang="en-US" dirty="0" smtClean="0"/>
+              <a:t>Interface inversion</a:t>
+            </a:r>
+          </a:p>
+          <a:p>
+            <a:r>
+              <a:rPr lang="en-US" dirty="0" smtClean="0"/>
+              <a:t>Flow inversion</a:t>
+            </a:r>
+          </a:p>
+          <a:p>
+            <a:r>
+              <a:rPr lang="en-US" dirty="0" smtClean="0"/>
+              <a:t>Creation inversion</a:t>
+            </a:r>
+          </a:p>
+          <a:p>
+            <a:endParaRPr lang="en-US" dirty="0"/>
           </a:p>
         </p:txBody>
       </p:sp>
     </p:spTree>
     <p:extLst>
       <p:ext uri="{BB962C8B-B14F-4D97-AF65-F5344CB8AC3E}">
-        <p14:creationId xmlns:p14="http://schemas.microsoft.com/office/powerpoint/2010/main" val="163873155"/>
+        <p14:creationId xmlns:p14="http://schemas.microsoft.com/office/powerpoint/2010/main" val="1124551076"/>
       </p:ext>
     </p:extLst>
   </p:cSld>
@@ -4661,96 +4531,6 @@
           <a:p>
             <a:r>
               <a:rPr lang="en-US" dirty="0" smtClean="0"/>
-              <a:t>Types of Control Inversion</a:t>
-            </a:r>
-            <a:endParaRPr lang="en-US" dirty="0"/>
-          </a:p>
-        </p:txBody>
-      </p:sp>
-      <p:sp>
-        <p:nvSpPr>
-          <p:cNvPr id="3" name="Content Placeholder 2"/>
-          <p:cNvSpPr>
-            <a:spLocks noGrp="1"/>
-          </p:cNvSpPr>
-          <p:nvPr>
-            <p:ph idx="1"/>
-          </p:nvPr>
-        </p:nvSpPr>
-        <p:spPr/>
-        <p:txBody>
-          <a:bodyPr/>
-          <a:lstStyle/>
-          <a:p>
-            <a:r>
-              <a:rPr lang="en-US" dirty="0" smtClean="0"/>
-              <a:t>Interface inversion</a:t>
-            </a:r>
-          </a:p>
-          <a:p>
-            <a:r>
-              <a:rPr lang="en-US" dirty="0" smtClean="0"/>
-              <a:t>Flow inversion</a:t>
-            </a:r>
-          </a:p>
-          <a:p>
-            <a:r>
-              <a:rPr lang="en-US" dirty="0" smtClean="0"/>
-              <a:t>Creation inversion</a:t>
-            </a:r>
-          </a:p>
-          <a:p>
-            <a:endParaRPr lang="en-US" dirty="0"/>
-          </a:p>
-        </p:txBody>
-      </p:sp>
-    </p:spTree>
-    <p:extLst>
-      <p:ext uri="{BB962C8B-B14F-4D97-AF65-F5344CB8AC3E}">
-        <p14:creationId xmlns:p14="http://schemas.microsoft.com/office/powerpoint/2010/main" val="1124551076"/>
-      </p:ext>
-    </p:extLst>
-  </p:cSld>
-  <p:clrMapOvr>
-    <a:masterClrMapping/>
-  </p:clrMapOvr>
-</p:sld>
-</file>
-
-<file path=ppt/slides/slide7.xml><?xml version="1.0" encoding="utf-8"?>
-<p:sld xmlns:a="http://schemas.openxmlformats.org/drawingml/2006/main" xmlns:r="http://schemas.openxmlformats.org/officeDocument/2006/relationships" xmlns:p="http://schemas.openxmlformats.org/presentationml/2006/main">
-  <p:cSld>
-    <p:spTree>
-      <p:nvGrpSpPr>
-        <p:cNvPr id="1" name=""/>
-        <p:cNvGrpSpPr/>
-        <p:nvPr/>
-      </p:nvGrpSpPr>
-      <p:grpSpPr>
-        <a:xfrm>
-          <a:off x="0" y="0"/>
-          <a:ext cx="0" cy="0"/>
-          <a:chOff x="0" y="0"/>
-          <a:chExt cx="0" cy="0"/>
-        </a:xfrm>
-      </p:grpSpPr>
-      <p:sp>
-        <p:nvSpPr>
-          <p:cNvPr id="2" name="Title 1"/>
-          <p:cNvSpPr>
-            <a:spLocks noGrp="1"/>
-          </p:cNvSpPr>
-          <p:nvPr>
-            <p:ph type="title"/>
-          </p:nvPr>
-        </p:nvSpPr>
-        <p:spPr/>
-        <p:txBody>
-          <a:bodyPr/>
-          <a:lstStyle/>
-          <a:p>
-            <a:r>
-              <a:rPr lang="en-US" dirty="0" smtClean="0"/>
               <a:t>Interface Inversion</a:t>
             </a:r>
             <a:endParaRPr lang="en-US" dirty="0"/>
@@ -4828,7 +4608,7 @@
 </p:sld>
 </file>
 
-<file path=ppt/slides/slide8.xml><?xml version="1.0" encoding="utf-8"?>
+<file path=ppt/slides/slide7.xml><?xml version="1.0" encoding="utf-8"?>
 <p:sld xmlns:a="http://schemas.openxmlformats.org/drawingml/2006/main" xmlns:r="http://schemas.openxmlformats.org/officeDocument/2006/relationships" xmlns:p="http://schemas.openxmlformats.org/presentationml/2006/main">
   <p:cSld>
     <p:spTree>
@@ -4977,6 +4757,94 @@
 </p:sld>
 </file>
 
+<file path=ppt/slides/slide8.xml><?xml version="1.0" encoding="utf-8"?>
+<p:sld xmlns:a="http://schemas.openxmlformats.org/drawingml/2006/main" xmlns:r="http://schemas.openxmlformats.org/officeDocument/2006/relationships" xmlns:p="http://schemas.openxmlformats.org/presentationml/2006/main">
+  <p:cSld>
+    <p:spTree>
+      <p:nvGrpSpPr>
+        <p:cNvPr id="1" name=""/>
+        <p:cNvGrpSpPr/>
+        <p:nvPr/>
+      </p:nvGrpSpPr>
+      <p:grpSpPr>
+        <a:xfrm>
+          <a:off x="0" y="0"/>
+          <a:ext cx="0" cy="0"/>
+          <a:chOff x="0" y="0"/>
+          <a:chExt cx="0" cy="0"/>
+        </a:xfrm>
+      </p:grpSpPr>
+      <p:sp>
+        <p:nvSpPr>
+          <p:cNvPr id="2" name="Title 1"/>
+          <p:cNvSpPr>
+            <a:spLocks noGrp="1"/>
+          </p:cNvSpPr>
+          <p:nvPr>
+            <p:ph type="title"/>
+          </p:nvPr>
+        </p:nvSpPr>
+        <p:spPr/>
+        <p:txBody>
+          <a:bodyPr/>
+          <a:lstStyle/>
+          <a:p>
+            <a:r>
+              <a:rPr lang="en-US" dirty="0" smtClean="0"/>
+              <a:t>Flow inversion</a:t>
+            </a:r>
+            <a:endParaRPr lang="en-US" dirty="0"/>
+          </a:p>
+        </p:txBody>
+      </p:sp>
+      <p:sp>
+        <p:nvSpPr>
+          <p:cNvPr id="3" name="Content Placeholder 2"/>
+          <p:cNvSpPr>
+            <a:spLocks noGrp="1"/>
+          </p:cNvSpPr>
+          <p:nvPr>
+            <p:ph idx="1"/>
+          </p:nvPr>
+        </p:nvSpPr>
+        <p:spPr/>
+        <p:txBody>
+          <a:bodyPr/>
+          <a:lstStyle/>
+          <a:p>
+            <a:r>
+              <a:rPr lang="en-US" dirty="0" smtClean="0"/>
+              <a:t>Procedural vs event driven programs</a:t>
+            </a:r>
+          </a:p>
+          <a:p>
+            <a:r>
+              <a:rPr lang="en-US" dirty="0" smtClean="0"/>
+              <a:t>Command line vs GUI</a:t>
+            </a:r>
+          </a:p>
+          <a:p>
+            <a:r>
+              <a:rPr lang="en-US" dirty="0" smtClean="0"/>
+              <a:t>Also, dynamic substitution of algorithms</a:t>
+            </a:r>
+            <a:endParaRPr lang="en-US" dirty="0"/>
+          </a:p>
+        </p:txBody>
+      </p:sp>
+    </p:spTree>
+    <p:extLst>
+      <p:ext uri="{BB962C8B-B14F-4D97-AF65-F5344CB8AC3E}">
+        <p14:creationId xmlns:p14="http://schemas.microsoft.com/office/powerpoint/2010/main" val="3150878693"/>
+      </p:ext>
+    </p:extLst>
+  </p:cSld>
+  <p:clrMapOvr>
+    <a:masterClrMapping/>
+  </p:clrMapOvr>
+</p:sld>
+</file>
+
 <file path=ppt/slides/slide9.xml><?xml version="1.0" encoding="utf-8"?>
 <p:sld xmlns:a="http://schemas.openxmlformats.org/drawingml/2006/main" xmlns:r="http://schemas.openxmlformats.org/officeDocument/2006/relationships" xmlns:p="http://schemas.openxmlformats.org/presentationml/2006/main">
   <p:cSld>
@@ -5011,51 +4879,64 @@
           <a:p>
             <a:r>
               <a:rPr lang="en-US" dirty="0" smtClean="0"/>
-              <a:t>Flow inversion</a:t>
+              <a:t>Command Line vs GUI</a:t>
             </a:r>
             <a:endParaRPr lang="en-US" dirty="0"/>
           </a:p>
         </p:txBody>
       </p:sp>
-      <p:sp>
-        <p:nvSpPr>
-          <p:cNvPr id="3" name="Content Placeholder 2"/>
-          <p:cNvSpPr>
-            <a:spLocks noGrp="1"/>
-          </p:cNvSpPr>
-          <p:nvPr>
-            <p:ph idx="1"/>
-          </p:nvPr>
-        </p:nvSpPr>
-        <p:spPr/>
-        <p:txBody>
-          <a:bodyPr/>
-          <a:lstStyle/>
-          <a:p>
-            <a:r>
-              <a:rPr lang="en-US" dirty="0" smtClean="0"/>
-              <a:t>Procedural vs event driven programs</a:t>
-            </a:r>
-          </a:p>
-          <a:p>
-            <a:r>
-              <a:rPr lang="en-US" dirty="0" smtClean="0"/>
-              <a:t>Command line vs GUI</a:t>
-            </a:r>
-          </a:p>
-          <a:p>
-            <a:r>
-              <a:rPr lang="en-US" dirty="0" smtClean="0"/>
-              <a:t>Also, dynamic substitution of algorithms</a:t>
-            </a:r>
-            <a:endParaRPr lang="en-US" dirty="0"/>
-          </a:p>
-        </p:txBody>
-      </p:sp>
+      <p:pic>
+        <p:nvPicPr>
+          <p:cNvPr id="4" name="Picture 3"/>
+          <p:cNvPicPr>
+            <a:picLocks noChangeAspect="1"/>
+          </p:cNvPicPr>
+          <p:nvPr/>
+        </p:nvPicPr>
+        <p:blipFill>
+          <a:blip r:embed="rId2"/>
+          <a:stretch>
+            <a:fillRect/>
+          </a:stretch>
+        </p:blipFill>
+        <p:spPr>
+          <a:xfrm>
+            <a:off x="790576" y="1521620"/>
+            <a:ext cx="4269694" cy="2100262"/>
+          </a:xfrm>
+          <a:prstGeom prst="rect">
+            <a:avLst/>
+          </a:prstGeom>
+        </p:spPr>
+      </p:pic>
+      <p:pic>
+        <p:nvPicPr>
+          <p:cNvPr id="5" name="Picture 4"/>
+          <p:cNvPicPr>
+            <a:picLocks noChangeAspect="1"/>
+          </p:cNvPicPr>
+          <p:nvPr/>
+        </p:nvPicPr>
+        <p:blipFill>
+          <a:blip r:embed="rId3"/>
+          <a:stretch>
+            <a:fillRect/>
+          </a:stretch>
+        </p:blipFill>
+        <p:spPr>
+          <a:xfrm>
+            <a:off x="5534025" y="3433762"/>
+            <a:ext cx="2981325" cy="3076575"/>
+          </a:xfrm>
+          <a:prstGeom prst="rect">
+            <a:avLst/>
+          </a:prstGeom>
+        </p:spPr>
+      </p:pic>
     </p:spTree>
     <p:extLst>
       <p:ext uri="{BB962C8B-B14F-4D97-AF65-F5344CB8AC3E}">
-        <p14:creationId xmlns:p14="http://schemas.microsoft.com/office/powerpoint/2010/main" val="3150878693"/>
+        <p14:creationId xmlns:p14="http://schemas.microsoft.com/office/powerpoint/2010/main" val="2642824600"/>
       </p:ext>
     </p:extLst>
   </p:cSld>
